--- a/slides/ML-5.pptx
+++ b/slides/ML-5.pptx
@@ -232,7 +232,7 @@
           <a:p>
             <a:fld id="{75EAC174-86A2-734C-84B0-8C4473464838}" type="datetimeFigureOut">
               <a:rPr lang="en-US" smtClean="0"/>
-              <a:t>2/26/20</a:t>
+              <a:t>3/5/20</a:t>
             </a:fld>
             <a:endParaRPr lang="en-US"/>
           </a:p>
@@ -649,7 +649,7 @@
           <a:p>
             <a:fld id="{01BFD9DC-0DF3-974C-8698-2D21B3AEFAE9}" type="datetimeFigureOut">
               <a:rPr lang="en-US" smtClean="0"/>
-              <a:t>2/26/20</a:t>
+              <a:t>3/5/20</a:t>
             </a:fld>
             <a:endParaRPr lang="en-US"/>
           </a:p>
@@ -849,7 +849,7 @@
           <a:p>
             <a:fld id="{01BFD9DC-0DF3-974C-8698-2D21B3AEFAE9}" type="datetimeFigureOut">
               <a:rPr lang="en-US" smtClean="0"/>
-              <a:t>2/26/20</a:t>
+              <a:t>3/5/20</a:t>
             </a:fld>
             <a:endParaRPr lang="en-US"/>
           </a:p>
@@ -1059,7 +1059,7 @@
           <a:p>
             <a:fld id="{01BFD9DC-0DF3-974C-8698-2D21B3AEFAE9}" type="datetimeFigureOut">
               <a:rPr lang="en-US" smtClean="0"/>
-              <a:t>2/26/20</a:t>
+              <a:t>3/5/20</a:t>
             </a:fld>
             <a:endParaRPr lang="en-US"/>
           </a:p>
@@ -2451,7 +2451,7 @@
           <a:p>
             <a:fld id="{01BFD9DC-0DF3-974C-8698-2D21B3AEFAE9}" type="datetimeFigureOut">
               <a:rPr lang="en-US" smtClean="0"/>
-              <a:t>2/26/20</a:t>
+              <a:t>3/5/20</a:t>
             </a:fld>
             <a:endParaRPr lang="en-US"/>
           </a:p>
@@ -4217,7 +4217,7 @@
           <a:p>
             <a:fld id="{01BFD9DC-0DF3-974C-8698-2D21B3AEFAE9}" type="datetimeFigureOut">
               <a:rPr lang="en-US" smtClean="0"/>
-              <a:t>2/26/20</a:t>
+              <a:t>3/5/20</a:t>
             </a:fld>
             <a:endParaRPr lang="en-US"/>
           </a:p>
@@ -5975,7 +5975,7 @@
           <a:p>
             <a:fld id="{01BFD9DC-0DF3-974C-8698-2D21B3AEFAE9}" type="datetimeFigureOut">
               <a:rPr lang="en-US" smtClean="0"/>
-              <a:t>2/26/20</a:t>
+              <a:t>3/5/20</a:t>
             </a:fld>
             <a:endParaRPr lang="en-US"/>
           </a:p>
@@ -7433,7 +7433,7 @@
           <a:p>
             <a:fld id="{01BFD9DC-0DF3-974C-8698-2D21B3AEFAE9}" type="datetimeFigureOut">
               <a:rPr lang="en-US" smtClean="0"/>
-              <a:t>2/26/20</a:t>
+              <a:t>3/5/20</a:t>
             </a:fld>
             <a:endParaRPr lang="en-US"/>
           </a:p>
@@ -7575,7 +7575,7 @@
           <a:p>
             <a:fld id="{01BFD9DC-0DF3-974C-8698-2D21B3AEFAE9}" type="datetimeFigureOut">
               <a:rPr lang="en-US" smtClean="0"/>
-              <a:t>2/26/20</a:t>
+              <a:t>3/5/20</a:t>
             </a:fld>
             <a:endParaRPr lang="en-US"/>
           </a:p>
@@ -7688,7 +7688,7 @@
           <a:p>
             <a:fld id="{01BFD9DC-0DF3-974C-8698-2D21B3AEFAE9}" type="datetimeFigureOut">
               <a:rPr lang="en-US" smtClean="0"/>
-              <a:t>2/26/20</a:t>
+              <a:t>3/5/20</a:t>
             </a:fld>
             <a:endParaRPr lang="en-US"/>
           </a:p>
@@ -8001,7 +8001,7 @@
           <a:p>
             <a:fld id="{01BFD9DC-0DF3-974C-8698-2D21B3AEFAE9}" type="datetimeFigureOut">
               <a:rPr lang="en-US" smtClean="0"/>
-              <a:t>2/26/20</a:t>
+              <a:t>3/5/20</a:t>
             </a:fld>
             <a:endParaRPr lang="en-US"/>
           </a:p>
@@ -8290,7 +8290,7 @@
           <a:p>
             <a:fld id="{01BFD9DC-0DF3-974C-8698-2D21B3AEFAE9}" type="datetimeFigureOut">
               <a:rPr lang="en-US" smtClean="0"/>
-              <a:t>2/26/20</a:t>
+              <a:t>3/5/20</a:t>
             </a:fld>
             <a:endParaRPr lang="en-US"/>
           </a:p>
@@ -8533,7 +8533,7 @@
           <a:p>
             <a:fld id="{01BFD9DC-0DF3-974C-8698-2D21B3AEFAE9}" type="datetimeFigureOut">
               <a:rPr lang="en-US" smtClean="0"/>
-              <a:t>2/26/20</a:t>
+              <a:t>3/5/20</a:t>
             </a:fld>
             <a:endParaRPr lang="en-US"/>
           </a:p>
@@ -9153,14 +9153,14 @@
           </a:ln>
           <a:extLst>
             <a:ext uri="{909E8E84-426E-40dd-AFC4-6F175D3DCCD1}">
-              <a14:hiddenFill xmlns:a14="http://schemas.microsoft.com/office/drawing/2010/main" xmlns="">
+              <a14:hiddenFill xmlns="" xmlns:a14="http://schemas.microsoft.com/office/drawing/2010/main">
                 <a:solidFill>
                   <a:srgbClr val="FFFFFF"/>
                 </a:solidFill>
               </a14:hiddenFill>
             </a:ext>
             <a:ext uri="{91240B29-F687-4f45-9708-019B960494DF}">
-              <a14:hiddenLine xmlns:a14="http://schemas.microsoft.com/office/drawing/2010/main" xmlns="" w="9525">
+              <a14:hiddenLine xmlns="" xmlns:a14="http://schemas.microsoft.com/office/drawing/2010/main" w="9525">
                 <a:solidFill>
                   <a:srgbClr val="000000"/>
                 </a:solidFill>
@@ -15701,7 +15701,7 @@
           <a:graphicData uri="http://schemas.openxmlformats.org/presentationml/2006/ole">
             <mc:AlternateContent xmlns:mc="http://schemas.openxmlformats.org/markup-compatibility/2006">
               <mc:Choice xmlns:v="urn:schemas-microsoft-com:vml" Requires="v">
-                <p:oleObj spid="_x0000_s47105" name="Equation" r:id="rId3" imgW="634680" imgH="190440" progId="Equation.3">
+                <p:oleObj spid="_x0000_s47107" name="Equation" r:id="rId3" imgW="634680" imgH="190440" progId="Equation.3">
                   <p:embed/>
                 </p:oleObj>
               </mc:Choice>
@@ -15740,7 +15740,7 @@
                       <a:noFill/>
                       <a:extLst>
                         <a:ext uri="{909E8E84-426E-40dd-AFC4-6F175D3DCCD1}">
-                          <a14:hiddenFill xmlns="" xmlns:a14="http://schemas.microsoft.com/office/drawing/2010/main">
+                          <a14:hiddenFill xmlns:a14="http://schemas.microsoft.com/office/drawing/2010/main" xmlns="">
                             <a:solidFill>
                               <a:srgbClr val="FFFFFF"/>
                             </a:solidFill>
@@ -15771,7 +15771,7 @@
           <a:graphicData uri="http://schemas.openxmlformats.org/presentationml/2006/ole">
             <mc:AlternateContent xmlns:mc="http://schemas.openxmlformats.org/markup-compatibility/2006">
               <mc:Choice xmlns:v="urn:schemas-microsoft-com:vml" Requires="v">
-                <p:oleObj spid="_x0000_s47106" name="Equation" r:id="rId5" imgW="863600" imgH="1003300" progId="Equation.3">
+                <p:oleObj spid="_x0000_s47108" name="Equation" r:id="rId5" imgW="863600" imgH="1003300" progId="Equation.3">
                   <p:embed/>
                 </p:oleObj>
               </mc:Choice>
@@ -15804,7 +15804,7 @@
                       <a:noFill/>
                       <a:extLst>
                         <a:ext uri="{909E8E84-426E-40dd-AFC4-6F175D3DCCD1}">
-                          <a14:hiddenFill xmlns="" xmlns:a14="http://schemas.microsoft.com/office/drawing/2010/main">
+                          <a14:hiddenFill xmlns:a14="http://schemas.microsoft.com/office/drawing/2010/main" xmlns="">
                             <a:solidFill>
                               <a:srgbClr val="FFFFFF"/>
                             </a:solidFill>
@@ -17246,7 +17246,7 @@
           <a:graphicData uri="http://schemas.openxmlformats.org/presentationml/2006/ole">
             <mc:AlternateContent xmlns:mc="http://schemas.openxmlformats.org/markup-compatibility/2006">
               <mc:Choice xmlns:v="urn:schemas-microsoft-com:vml" Requires="v">
-                <p:oleObj spid="_x0000_s48129" name="Equation" r:id="rId3" imgW="787320" imgH="850680" progId="Equation.3">
+                <p:oleObj spid="_x0000_s48135" name="Equation" r:id="rId3" imgW="787320" imgH="850680" progId="Equation.3">
                   <p:embed/>
                 </p:oleObj>
               </mc:Choice>
@@ -17285,7 +17285,7 @@
                       <a:noFill/>
                       <a:extLst>
                         <a:ext uri="{909E8E84-426E-40dd-AFC4-6F175D3DCCD1}">
-                          <a14:hiddenFill xmlns="" xmlns:a14="http://schemas.microsoft.com/office/drawing/2010/main">
+                          <a14:hiddenFill xmlns:a14="http://schemas.microsoft.com/office/drawing/2010/main" xmlns="">
                             <a:solidFill>
                               <a:srgbClr val="FFFFFF"/>
                             </a:solidFill>
@@ -17316,7 +17316,7 @@
           <a:graphicData uri="http://schemas.openxmlformats.org/presentationml/2006/ole">
             <mc:AlternateContent xmlns:mc="http://schemas.openxmlformats.org/markup-compatibility/2006">
               <mc:Choice xmlns:v="urn:schemas-microsoft-com:vml" Requires="v">
-                <p:oleObj spid="_x0000_s48130" name="Equation" r:id="rId5" imgW="812520" imgH="634680" progId="Equation.3">
+                <p:oleObj spid="_x0000_s48136" name="Equation" r:id="rId5" imgW="812520" imgH="634680" progId="Equation.3">
                   <p:embed/>
                 </p:oleObj>
               </mc:Choice>
@@ -17355,7 +17355,7 @@
                       <a:noFill/>
                       <a:extLst>
                         <a:ext uri="{909E8E84-426E-40dd-AFC4-6F175D3DCCD1}">
-                          <a14:hiddenFill xmlns="" xmlns:a14="http://schemas.microsoft.com/office/drawing/2010/main">
+                          <a14:hiddenFill xmlns:a14="http://schemas.microsoft.com/office/drawing/2010/main" xmlns="">
                             <a:solidFill>
                               <a:srgbClr val="FFFFFF"/>
                             </a:solidFill>
@@ -17386,7 +17386,7 @@
           <a:graphicData uri="http://schemas.openxmlformats.org/presentationml/2006/ole">
             <mc:AlternateContent xmlns:mc="http://schemas.openxmlformats.org/markup-compatibility/2006">
               <mc:Choice xmlns:v="urn:schemas-microsoft-com:vml" Requires="v">
-                <p:oleObj spid="_x0000_s48131" name="Equation" r:id="rId7" imgW="545760" imgH="799920" progId="Equation.3">
+                <p:oleObj spid="_x0000_s48137" name="Equation" r:id="rId7" imgW="545760" imgH="799920" progId="Equation.3">
                   <p:embed/>
                 </p:oleObj>
               </mc:Choice>
@@ -17425,7 +17425,7 @@
                       <a:noFill/>
                       <a:extLst>
                         <a:ext uri="{909E8E84-426E-40dd-AFC4-6F175D3DCCD1}">
-                          <a14:hiddenFill xmlns="" xmlns:a14="http://schemas.microsoft.com/office/drawing/2010/main">
+                          <a14:hiddenFill xmlns:a14="http://schemas.microsoft.com/office/drawing/2010/main" xmlns="">
                             <a:solidFill>
                               <a:srgbClr val="FFFFFF"/>
                             </a:solidFill>
@@ -17456,7 +17456,7 @@
           <a:graphicData uri="http://schemas.openxmlformats.org/presentationml/2006/ole">
             <mc:AlternateContent xmlns:mc="http://schemas.openxmlformats.org/markup-compatibility/2006">
               <mc:Choice xmlns:v="urn:schemas-microsoft-com:vml" Requires="v">
-                <p:oleObj spid="_x0000_s48132" name="Equation" r:id="rId9" imgW="888840" imgH="215640" progId="Equation.3">
+                <p:oleObj spid="_x0000_s48138" name="Equation" r:id="rId9" imgW="888840" imgH="215640" progId="Equation.3">
                   <p:embed/>
                 </p:oleObj>
               </mc:Choice>
@@ -17495,7 +17495,7 @@
                       <a:noFill/>
                       <a:extLst>
                         <a:ext uri="{909E8E84-426E-40dd-AFC4-6F175D3DCCD1}">
-                          <a14:hiddenFill xmlns="" xmlns:a14="http://schemas.microsoft.com/office/drawing/2010/main">
+                          <a14:hiddenFill xmlns:a14="http://schemas.microsoft.com/office/drawing/2010/main" xmlns="">
                             <a:solidFill>
                               <a:srgbClr val="FFFFFF"/>
                             </a:solidFill>
@@ -17526,7 +17526,7 @@
           <a:graphicData uri="http://schemas.openxmlformats.org/presentationml/2006/ole">
             <mc:AlternateContent xmlns:mc="http://schemas.openxmlformats.org/markup-compatibility/2006">
               <mc:Choice xmlns:v="urn:schemas-microsoft-com:vml" Requires="v">
-                <p:oleObj spid="_x0000_s48133" name="Equation" r:id="rId11" imgW="571320" imgH="647640" progId="Equation.3">
+                <p:oleObj spid="_x0000_s48139" name="Equation" r:id="rId11" imgW="571320" imgH="647640" progId="Equation.3">
                   <p:embed/>
                 </p:oleObj>
               </mc:Choice>
@@ -17565,7 +17565,7 @@
                       <a:noFill/>
                       <a:extLst>
                         <a:ext uri="{909E8E84-426E-40dd-AFC4-6F175D3DCCD1}">
-                          <a14:hiddenFill xmlns="" xmlns:a14="http://schemas.microsoft.com/office/drawing/2010/main">
+                          <a14:hiddenFill xmlns:a14="http://schemas.microsoft.com/office/drawing/2010/main" xmlns="">
                             <a:solidFill>
                               <a:srgbClr val="FFFFFF"/>
                             </a:solidFill>
@@ -18670,7 +18670,7 @@
           <a:graphicData uri="http://schemas.openxmlformats.org/presentationml/2006/ole">
             <mc:AlternateContent xmlns:mc="http://schemas.openxmlformats.org/markup-compatibility/2006">
               <mc:Choice xmlns:v="urn:schemas-microsoft-com:vml" Requires="v">
-                <p:oleObj spid="_x0000_s48134" name="Equation" r:id="rId13" imgW="774360" imgH="190440" progId="Equation.3">
+                <p:oleObj spid="_x0000_s48140" name="Equation" r:id="rId13" imgW="774360" imgH="190440" progId="Equation.3">
                   <p:embed/>
                 </p:oleObj>
               </mc:Choice>
@@ -18832,6 +18832,45 @@
           </a:p>
         </p:txBody>
       </p:sp>
+      <p:sp>
+        <p:nvSpPr>
+          <p:cNvPr id="4" name="TextBox 3">
+            <a:extLst>
+              <a:ext uri="{FF2B5EF4-FFF2-40B4-BE49-F238E27FC236}">
+                <a16:creationId xmlns:a16="http://schemas.microsoft.com/office/drawing/2014/main" id="{2B878495-10D0-7943-A134-3138C3AF5AE4}"/>
+              </a:ext>
+            </a:extLst>
+          </p:cNvPr>
+          <p:cNvSpPr txBox="1"/>
+          <p:nvPr/>
+        </p:nvSpPr>
+        <p:spPr>
+          <a:xfrm>
+            <a:off x="231112" y="6176963"/>
+            <a:ext cx="10081029" cy="369332"/>
+          </a:xfrm>
+          <a:prstGeom prst="rect">
+            <a:avLst/>
+          </a:prstGeom>
+          <a:noFill/>
+        </p:spPr>
+        <p:txBody>
+          <a:bodyPr wrap="none" rtlCol="0">
+            <a:spAutoFit/>
+          </a:bodyPr>
+          <a:lstStyle/>
+          <a:p>
+            <a:r>
+              <a:rPr lang="en-US" dirty="0"/>
+              <a:t>Material adapted from the slides created by Peter Andras for the CSC3423 module of </a:t>
+            </a:r>
+            <a:r>
+              <a:rPr lang="en-US"/>
+              <a:t>Newcastle University</a:t>
+            </a:r>
+          </a:p>
+        </p:txBody>
+      </p:sp>
     </p:spTree>
     <p:extLst>
       <p:ext uri="{BB962C8B-B14F-4D97-AF65-F5344CB8AC3E}">
@@ -19399,7 +19438,7 @@
           <a:graphicData uri="http://schemas.openxmlformats.org/presentationml/2006/ole">
             <mc:AlternateContent xmlns:mc="http://schemas.openxmlformats.org/markup-compatibility/2006">
               <mc:Choice xmlns:v="urn:schemas-microsoft-com:vml" Requires="v">
-                <p:oleObj spid="_x0000_s49153" name="Equation" r:id="rId3" imgW="2501640" imgH="431640" progId="Equation.3">
+                <p:oleObj spid="_x0000_s49154" name="Equation" r:id="rId3" imgW="2501640" imgH="431640" progId="Equation.3">
                   <p:embed/>
                 </p:oleObj>
               </mc:Choice>
@@ -19438,7 +19477,7 @@
                       <a:noFill/>
                       <a:extLst>
                         <a:ext uri="{909E8E84-426E-40dd-AFC4-6F175D3DCCD1}">
-                          <a14:hiddenFill xmlns="" xmlns:a14="http://schemas.microsoft.com/office/drawing/2010/main">
+                          <a14:hiddenFill xmlns:a14="http://schemas.microsoft.com/office/drawing/2010/main" xmlns="">
                             <a:solidFill>
                               <a:srgbClr val="FFFFFF"/>
                             </a:solidFill>
@@ -19564,7 +19603,7 @@
           <a:graphicData uri="http://schemas.openxmlformats.org/presentationml/2006/ole">
             <mc:AlternateContent xmlns:mc="http://schemas.openxmlformats.org/markup-compatibility/2006">
               <mc:Choice xmlns:v="urn:schemas-microsoft-com:vml" Requires="v">
-                <p:oleObj spid="_x0000_s50177" name="Equation" r:id="rId3" imgW="1206360" imgH="431640" progId="Equation.3">
+                <p:oleObj spid="_x0000_s50178" name="Equation" r:id="rId3" imgW="1206360" imgH="431640" progId="Equation.3">
                   <p:embed/>
                 </p:oleObj>
               </mc:Choice>
@@ -19603,7 +19642,7 @@
                       <a:noFill/>
                       <a:extLst>
                         <a:ext uri="{909E8E84-426E-40dd-AFC4-6F175D3DCCD1}">
-                          <a14:hiddenFill xmlns="" xmlns:a14="http://schemas.microsoft.com/office/drawing/2010/main">
+                          <a14:hiddenFill xmlns:a14="http://schemas.microsoft.com/office/drawing/2010/main" xmlns="">
                             <a:solidFill>
                               <a:srgbClr val="FFFFFF"/>
                             </a:solidFill>
@@ -19799,7 +19838,7 @@
           <a:graphicData uri="http://schemas.openxmlformats.org/presentationml/2006/ole">
             <mc:AlternateContent xmlns:mc="http://schemas.openxmlformats.org/markup-compatibility/2006">
               <mc:Choice xmlns:v="urn:schemas-microsoft-com:vml" Requires="v">
-                <p:oleObj spid="_x0000_s51201" name="Equation" r:id="rId3" imgW="787320" imgH="850680" progId="Equation.3">
+                <p:oleObj spid="_x0000_s51206" name="Equation" r:id="rId3" imgW="787320" imgH="850680" progId="Equation.3">
                   <p:embed/>
                 </p:oleObj>
               </mc:Choice>
@@ -19838,7 +19877,7 @@
                       <a:noFill/>
                       <a:extLst>
                         <a:ext uri="{909E8E84-426E-40dd-AFC4-6F175D3DCCD1}">
-                          <a14:hiddenFill xmlns="" xmlns:a14="http://schemas.microsoft.com/office/drawing/2010/main">
+                          <a14:hiddenFill xmlns:a14="http://schemas.microsoft.com/office/drawing/2010/main" xmlns="">
                             <a:solidFill>
                               <a:srgbClr val="FFFFFF"/>
                             </a:solidFill>
@@ -19869,7 +19908,7 @@
           <a:graphicData uri="http://schemas.openxmlformats.org/presentationml/2006/ole">
             <mc:AlternateContent xmlns:mc="http://schemas.openxmlformats.org/markup-compatibility/2006">
               <mc:Choice xmlns:v="urn:schemas-microsoft-com:vml" Requires="v">
-                <p:oleObj spid="_x0000_s51202" name="Equation" r:id="rId5" imgW="812520" imgH="634680" progId="Equation.3">
+                <p:oleObj spid="_x0000_s51207" name="Equation" r:id="rId5" imgW="812520" imgH="634680" progId="Equation.3">
                   <p:embed/>
                 </p:oleObj>
               </mc:Choice>
@@ -19908,7 +19947,7 @@
                       <a:noFill/>
                       <a:extLst>
                         <a:ext uri="{909E8E84-426E-40dd-AFC4-6F175D3DCCD1}">
-                          <a14:hiddenFill xmlns="" xmlns:a14="http://schemas.microsoft.com/office/drawing/2010/main">
+                          <a14:hiddenFill xmlns:a14="http://schemas.microsoft.com/office/drawing/2010/main" xmlns="">
                             <a:solidFill>
                               <a:srgbClr val="FFFFFF"/>
                             </a:solidFill>
@@ -19939,7 +19978,7 @@
           <a:graphicData uri="http://schemas.openxmlformats.org/presentationml/2006/ole">
             <mc:AlternateContent xmlns:mc="http://schemas.openxmlformats.org/markup-compatibility/2006">
               <mc:Choice xmlns:v="urn:schemas-microsoft-com:vml" Requires="v">
-                <p:oleObj spid="_x0000_s51203" name="Equation" r:id="rId7" imgW="545760" imgH="799920" progId="Equation.3">
+                <p:oleObj spid="_x0000_s51208" name="Equation" r:id="rId7" imgW="545760" imgH="799920" progId="Equation.3">
                   <p:embed/>
                 </p:oleObj>
               </mc:Choice>
@@ -19978,7 +20017,7 @@
                       <a:noFill/>
                       <a:extLst>
                         <a:ext uri="{909E8E84-426E-40dd-AFC4-6F175D3DCCD1}">
-                          <a14:hiddenFill xmlns="" xmlns:a14="http://schemas.microsoft.com/office/drawing/2010/main">
+                          <a14:hiddenFill xmlns:a14="http://schemas.microsoft.com/office/drawing/2010/main" xmlns="">
                             <a:solidFill>
                               <a:srgbClr val="FFFFFF"/>
                             </a:solidFill>
@@ -20009,7 +20048,7 @@
           <a:graphicData uri="http://schemas.openxmlformats.org/presentationml/2006/ole">
             <mc:AlternateContent xmlns:mc="http://schemas.openxmlformats.org/markup-compatibility/2006">
               <mc:Choice xmlns:v="urn:schemas-microsoft-com:vml" Requires="v">
-                <p:oleObj spid="_x0000_s51204" name="Equation" r:id="rId9" imgW="888840" imgH="215640" progId="Equation.3">
+                <p:oleObj spid="_x0000_s51209" name="Equation" r:id="rId9" imgW="888840" imgH="215640" progId="Equation.3">
                   <p:embed/>
                 </p:oleObj>
               </mc:Choice>
@@ -20048,7 +20087,7 @@
                       <a:noFill/>
                       <a:extLst>
                         <a:ext uri="{909E8E84-426E-40dd-AFC4-6F175D3DCCD1}">
-                          <a14:hiddenFill xmlns="" xmlns:a14="http://schemas.microsoft.com/office/drawing/2010/main">
+                          <a14:hiddenFill xmlns:a14="http://schemas.microsoft.com/office/drawing/2010/main" xmlns="">
                             <a:solidFill>
                               <a:srgbClr val="FFFFFF"/>
                             </a:solidFill>
@@ -20079,7 +20118,7 @@
           <a:graphicData uri="http://schemas.openxmlformats.org/presentationml/2006/ole">
             <mc:AlternateContent xmlns:mc="http://schemas.openxmlformats.org/markup-compatibility/2006">
               <mc:Choice xmlns:v="urn:schemas-microsoft-com:vml" Requires="v">
-                <p:oleObj spid="_x0000_s51205" name="Equation" r:id="rId11" imgW="571320" imgH="647640" progId="Equation.3">
+                <p:oleObj spid="_x0000_s51210" name="Equation" r:id="rId11" imgW="571320" imgH="647640" progId="Equation.3">
                   <p:embed/>
                 </p:oleObj>
               </mc:Choice>
@@ -20118,7 +20157,7 @@
                       <a:noFill/>
                       <a:extLst>
                         <a:ext uri="{909E8E84-426E-40dd-AFC4-6F175D3DCCD1}">
-                          <a14:hiddenFill xmlns="" xmlns:a14="http://schemas.microsoft.com/office/drawing/2010/main">
+                          <a14:hiddenFill xmlns:a14="http://schemas.microsoft.com/office/drawing/2010/main" xmlns="">
                             <a:solidFill>
                               <a:srgbClr val="FFFFFF"/>
                             </a:solidFill>
@@ -21088,7 +21127,7 @@
           <a:graphicData uri="http://schemas.openxmlformats.org/presentationml/2006/ole">
             <mc:AlternateContent xmlns:mc="http://schemas.openxmlformats.org/markup-compatibility/2006">
               <mc:Choice xmlns:v="urn:schemas-microsoft-com:vml" Requires="v">
-                <p:oleObj spid="_x0000_s52225" name="Equation" r:id="rId3" imgW="1562040" imgH="444240" progId="Equation.3">
+                <p:oleObj spid="_x0000_s52229" name="Equation" r:id="rId3" imgW="1562040" imgH="444240" progId="Equation.3">
                   <p:embed/>
                 </p:oleObj>
               </mc:Choice>
@@ -21127,7 +21166,7 @@
                       <a:noFill/>
                       <a:extLst>
                         <a:ext uri="{909E8E84-426E-40dd-AFC4-6F175D3DCCD1}">
-                          <a14:hiddenFill xmlns="" xmlns:a14="http://schemas.microsoft.com/office/drawing/2010/main">
+                          <a14:hiddenFill xmlns:a14="http://schemas.microsoft.com/office/drawing/2010/main" xmlns="">
                             <a:solidFill>
                               <a:srgbClr val="FFFFFF"/>
                             </a:solidFill>
@@ -21158,7 +21197,7 @@
           <a:graphicData uri="http://schemas.openxmlformats.org/presentationml/2006/ole">
             <mc:AlternateContent xmlns:mc="http://schemas.openxmlformats.org/markup-compatibility/2006">
               <mc:Choice xmlns:v="urn:schemas-microsoft-com:vml" Requires="v">
-                <p:oleObj spid="_x0000_s52226" name="Equation" r:id="rId5" imgW="977760" imgH="253800" progId="Equation.3">
+                <p:oleObj spid="_x0000_s52230" name="Equation" r:id="rId5" imgW="977760" imgH="253800" progId="Equation.3">
                   <p:embed/>
                 </p:oleObj>
               </mc:Choice>
@@ -21197,7 +21236,7 @@
                       <a:noFill/>
                       <a:extLst>
                         <a:ext uri="{909E8E84-426E-40dd-AFC4-6F175D3DCCD1}">
-                          <a14:hiddenFill xmlns="" xmlns:a14="http://schemas.microsoft.com/office/drawing/2010/main">
+                          <a14:hiddenFill xmlns:a14="http://schemas.microsoft.com/office/drawing/2010/main" xmlns="">
                             <a:solidFill>
                               <a:srgbClr val="FFFFFF"/>
                             </a:solidFill>
@@ -21228,7 +21267,7 @@
           <a:graphicData uri="http://schemas.openxmlformats.org/presentationml/2006/ole">
             <mc:AlternateContent xmlns:mc="http://schemas.openxmlformats.org/markup-compatibility/2006">
               <mc:Choice xmlns:v="urn:schemas-microsoft-com:vml" Requires="v">
-                <p:oleObj spid="_x0000_s52227" name="Equation" r:id="rId7" imgW="1295280" imgH="444240" progId="Equation.3">
+                <p:oleObj spid="_x0000_s52231" name="Equation" r:id="rId7" imgW="1295280" imgH="444240" progId="Equation.3">
                   <p:embed/>
                 </p:oleObj>
               </mc:Choice>
@@ -21267,7 +21306,7 @@
                       <a:noFill/>
                       <a:extLst>
                         <a:ext uri="{909E8E84-426E-40dd-AFC4-6F175D3DCCD1}">
-                          <a14:hiddenFill xmlns="" xmlns:a14="http://schemas.microsoft.com/office/drawing/2010/main">
+                          <a14:hiddenFill xmlns:a14="http://schemas.microsoft.com/office/drawing/2010/main" xmlns="">
                             <a:solidFill>
                               <a:srgbClr val="FFFFFF"/>
                             </a:solidFill>
@@ -21298,7 +21337,7 @@
           <a:graphicData uri="http://schemas.openxmlformats.org/presentationml/2006/ole">
             <mc:AlternateContent xmlns:mc="http://schemas.openxmlformats.org/markup-compatibility/2006">
               <mc:Choice xmlns:v="urn:schemas-microsoft-com:vml" Requires="v">
-                <p:oleObj spid="_x0000_s52228" name="Equation" r:id="rId9" imgW="2857500" imgH="482600" progId="Equation.3">
+                <p:oleObj spid="_x0000_s52232" name="Equation" r:id="rId9" imgW="2857500" imgH="482600" progId="Equation.3">
                   <p:embed/>
                 </p:oleObj>
               </mc:Choice>
@@ -21331,7 +21370,7 @@
                       <a:noFill/>
                       <a:extLst>
                         <a:ext uri="{909E8E84-426E-40dd-AFC4-6F175D3DCCD1}">
-                          <a14:hiddenFill xmlns="" xmlns:a14="http://schemas.microsoft.com/office/drawing/2010/main">
+                          <a14:hiddenFill xmlns:a14="http://schemas.microsoft.com/office/drawing/2010/main" xmlns="">
                             <a:solidFill>
                               <a:srgbClr val="FFFFFF"/>
                             </a:solidFill>
@@ -21474,7 +21513,7 @@
           <a:graphicData uri="http://schemas.openxmlformats.org/presentationml/2006/ole">
             <mc:AlternateContent xmlns:mc="http://schemas.openxmlformats.org/markup-compatibility/2006">
               <mc:Choice xmlns:v="urn:schemas-microsoft-com:vml" Requires="v">
-                <p:oleObj spid="_x0000_s53249" name="Equation" r:id="rId3" imgW="1981080" imgH="482400" progId="Equation.3">
+                <p:oleObj spid="_x0000_s53253" name="Equation" r:id="rId3" imgW="1981080" imgH="482400" progId="Equation.3">
                   <p:embed/>
                 </p:oleObj>
               </mc:Choice>
@@ -21513,7 +21552,7 @@
                       <a:noFill/>
                       <a:extLst>
                         <a:ext uri="{909E8E84-426E-40dd-AFC4-6F175D3DCCD1}">
-                          <a14:hiddenFill xmlns="" xmlns:a14="http://schemas.microsoft.com/office/drawing/2010/main">
+                          <a14:hiddenFill xmlns:a14="http://schemas.microsoft.com/office/drawing/2010/main" xmlns="">
                             <a:solidFill>
                               <a:srgbClr val="FFFFFF"/>
                             </a:solidFill>
@@ -21544,7 +21583,7 @@
           <a:graphicData uri="http://schemas.openxmlformats.org/presentationml/2006/ole">
             <mc:AlternateContent xmlns:mc="http://schemas.openxmlformats.org/markup-compatibility/2006">
               <mc:Choice xmlns:v="urn:schemas-microsoft-com:vml" Requires="v">
-                <p:oleObj spid="_x0000_s53250" name="Equation" r:id="rId5" imgW="2247840" imgH="482400" progId="Equation.3">
+                <p:oleObj spid="_x0000_s53254" name="Equation" r:id="rId5" imgW="2247840" imgH="482400" progId="Equation.3">
                   <p:embed/>
                 </p:oleObj>
               </mc:Choice>
@@ -21583,7 +21622,7 @@
                       <a:noFill/>
                       <a:extLst>
                         <a:ext uri="{909E8E84-426E-40dd-AFC4-6F175D3DCCD1}">
-                          <a14:hiddenFill xmlns="" xmlns:a14="http://schemas.microsoft.com/office/drawing/2010/main">
+                          <a14:hiddenFill xmlns:a14="http://schemas.microsoft.com/office/drawing/2010/main" xmlns="">
                             <a:solidFill>
                               <a:srgbClr val="FFFFFF"/>
                             </a:solidFill>
@@ -21614,7 +21653,7 @@
           <a:graphicData uri="http://schemas.openxmlformats.org/presentationml/2006/ole">
             <mc:AlternateContent xmlns:mc="http://schemas.openxmlformats.org/markup-compatibility/2006">
               <mc:Choice xmlns:v="urn:schemas-microsoft-com:vml" Requires="v">
-                <p:oleObj spid="_x0000_s53251" name="Equation" r:id="rId7" imgW="1523880" imgH="253800" progId="Equation.3">
+                <p:oleObj spid="_x0000_s53255" name="Equation" r:id="rId7" imgW="1523880" imgH="253800" progId="Equation.3">
                   <p:embed/>
                 </p:oleObj>
               </mc:Choice>
@@ -21653,7 +21692,7 @@
                       <a:noFill/>
                       <a:extLst>
                         <a:ext uri="{909E8E84-426E-40dd-AFC4-6F175D3DCCD1}">
-                          <a14:hiddenFill xmlns="" xmlns:a14="http://schemas.microsoft.com/office/drawing/2010/main">
+                          <a14:hiddenFill xmlns:a14="http://schemas.microsoft.com/office/drawing/2010/main" xmlns="">
                             <a:solidFill>
                               <a:srgbClr val="FFFFFF"/>
                             </a:solidFill>
@@ -21684,7 +21723,7 @@
           <a:graphicData uri="http://schemas.openxmlformats.org/presentationml/2006/ole">
             <mc:AlternateContent xmlns:mc="http://schemas.openxmlformats.org/markup-compatibility/2006">
               <mc:Choice xmlns:v="urn:schemas-microsoft-com:vml" Requires="v">
-                <p:oleObj spid="_x0000_s53252" name="Equation" r:id="rId9" imgW="1587240" imgH="444240" progId="Equation.3">
+                <p:oleObj spid="_x0000_s53256" name="Equation" r:id="rId9" imgW="1587240" imgH="444240" progId="Equation.3">
                   <p:embed/>
                 </p:oleObj>
               </mc:Choice>
@@ -21723,7 +21762,7 @@
                       <a:noFill/>
                       <a:extLst>
                         <a:ext uri="{909E8E84-426E-40dd-AFC4-6F175D3DCCD1}">
-                          <a14:hiddenFill xmlns="" xmlns:a14="http://schemas.microsoft.com/office/drawing/2010/main">
+                          <a14:hiddenFill xmlns:a14="http://schemas.microsoft.com/office/drawing/2010/main" xmlns="">
                             <a:solidFill>
                               <a:srgbClr val="FFFFFF"/>
                             </a:solidFill>
@@ -21999,7 +22038,7 @@
           <a:graphicData uri="http://schemas.openxmlformats.org/presentationml/2006/ole">
             <mc:AlternateContent xmlns:mc="http://schemas.openxmlformats.org/markup-compatibility/2006">
               <mc:Choice xmlns:v="urn:schemas-microsoft-com:vml" Requires="v">
-                <p:oleObj spid="_x0000_s54273" name="Equation" r:id="rId3" imgW="1942920" imgH="469800" progId="Equation.3">
+                <p:oleObj spid="_x0000_s54277" name="Equation" r:id="rId3" imgW="1942920" imgH="469800" progId="Equation.3">
                   <p:embed/>
                 </p:oleObj>
               </mc:Choice>
@@ -22038,7 +22077,7 @@
                       <a:noFill/>
                       <a:extLst>
                         <a:ext uri="{909E8E84-426E-40dd-AFC4-6F175D3DCCD1}">
-                          <a14:hiddenFill xmlns="" xmlns:a14="http://schemas.microsoft.com/office/drawing/2010/main">
+                          <a14:hiddenFill xmlns:a14="http://schemas.microsoft.com/office/drawing/2010/main" xmlns="">
                             <a:solidFill>
                               <a:srgbClr val="FFFFFF"/>
                             </a:solidFill>
@@ -22069,7 +22108,7 @@
           <a:graphicData uri="http://schemas.openxmlformats.org/presentationml/2006/ole">
             <mc:AlternateContent xmlns:mc="http://schemas.openxmlformats.org/markup-compatibility/2006">
               <mc:Choice xmlns:v="urn:schemas-microsoft-com:vml" Requires="v">
-                <p:oleObj spid="_x0000_s54274" name="Equation" r:id="rId5" imgW="1218960" imgH="253800" progId="Equation.3">
+                <p:oleObj spid="_x0000_s54278" name="Equation" r:id="rId5" imgW="1218960" imgH="253800" progId="Equation.3">
                   <p:embed/>
                 </p:oleObj>
               </mc:Choice>
@@ -22108,7 +22147,7 @@
                       <a:noFill/>
                       <a:extLst>
                         <a:ext uri="{909E8E84-426E-40dd-AFC4-6F175D3DCCD1}">
-                          <a14:hiddenFill xmlns="" xmlns:a14="http://schemas.microsoft.com/office/drawing/2010/main">
+                          <a14:hiddenFill xmlns:a14="http://schemas.microsoft.com/office/drawing/2010/main" xmlns="">
                             <a:solidFill>
                               <a:srgbClr val="FFFFFF"/>
                             </a:solidFill>
@@ -22139,7 +22178,7 @@
           <a:graphicData uri="http://schemas.openxmlformats.org/presentationml/2006/ole">
             <mc:AlternateContent xmlns:mc="http://schemas.openxmlformats.org/markup-compatibility/2006">
               <mc:Choice xmlns:v="urn:schemas-microsoft-com:vml" Requires="v">
-                <p:oleObj spid="_x0000_s54275" name="Equation" r:id="rId7" imgW="1371600" imgH="253800" progId="Equation.3">
+                <p:oleObj spid="_x0000_s54279" name="Equation" r:id="rId7" imgW="1371600" imgH="253800" progId="Equation.3">
                   <p:embed/>
                 </p:oleObj>
               </mc:Choice>
@@ -22178,7 +22217,7 @@
                       <a:noFill/>
                       <a:extLst>
                         <a:ext uri="{909E8E84-426E-40dd-AFC4-6F175D3DCCD1}">
-                          <a14:hiddenFill xmlns="" xmlns:a14="http://schemas.microsoft.com/office/drawing/2010/main">
+                          <a14:hiddenFill xmlns:a14="http://schemas.microsoft.com/office/drawing/2010/main" xmlns="">
                             <a:solidFill>
                               <a:srgbClr val="FFFFFF"/>
                             </a:solidFill>
@@ -22209,7 +22248,7 @@
           <a:graphicData uri="http://schemas.openxmlformats.org/presentationml/2006/ole">
             <mc:AlternateContent xmlns:mc="http://schemas.openxmlformats.org/markup-compatibility/2006">
               <mc:Choice xmlns:v="urn:schemas-microsoft-com:vml" Requires="v">
-                <p:oleObj spid="_x0000_s54276" name="Equation" r:id="rId9" imgW="2095200" imgH="253800" progId="Equation.3">
+                <p:oleObj spid="_x0000_s54280" name="Equation" r:id="rId9" imgW="2095200" imgH="253800" progId="Equation.3">
                   <p:embed/>
                 </p:oleObj>
               </mc:Choice>
@@ -22248,7 +22287,7 @@
                       <a:noFill/>
                       <a:extLst>
                         <a:ext uri="{909E8E84-426E-40dd-AFC4-6F175D3DCCD1}">
-                          <a14:hiddenFill xmlns="" xmlns:a14="http://schemas.microsoft.com/office/drawing/2010/main">
+                          <a14:hiddenFill xmlns:a14="http://schemas.microsoft.com/office/drawing/2010/main" xmlns="">
                             <a:solidFill>
                               <a:srgbClr val="FFFFFF"/>
                             </a:solidFill>
@@ -22361,7 +22400,7 @@
           <a:graphicData uri="http://schemas.openxmlformats.org/presentationml/2006/ole">
             <mc:AlternateContent xmlns:mc="http://schemas.openxmlformats.org/markup-compatibility/2006">
               <mc:Choice xmlns:v="urn:schemas-microsoft-com:vml" Requires="v">
-                <p:oleObj spid="_x0000_s55297" name="Equation" r:id="rId3" imgW="1701720" imgH="469800" progId="Equation.3">
+                <p:oleObj spid="_x0000_s55300" name="Equation" r:id="rId3" imgW="1701720" imgH="469800" progId="Equation.3">
                   <p:embed/>
                 </p:oleObj>
               </mc:Choice>
@@ -22400,7 +22439,7 @@
                       <a:noFill/>
                       <a:extLst>
                         <a:ext uri="{909E8E84-426E-40dd-AFC4-6F175D3DCCD1}">
-                          <a14:hiddenFill xmlns="" xmlns:a14="http://schemas.microsoft.com/office/drawing/2010/main">
+                          <a14:hiddenFill xmlns:a14="http://schemas.microsoft.com/office/drawing/2010/main" xmlns="">
                             <a:solidFill>
                               <a:srgbClr val="FFFFFF"/>
                             </a:solidFill>
@@ -22431,7 +22470,7 @@
           <a:graphicData uri="http://schemas.openxmlformats.org/presentationml/2006/ole">
             <mc:AlternateContent xmlns:mc="http://schemas.openxmlformats.org/markup-compatibility/2006">
               <mc:Choice xmlns:v="urn:schemas-microsoft-com:vml" Requires="v">
-                <p:oleObj spid="_x0000_s55298" name="Equation" r:id="rId5" imgW="2120760" imgH="444240" progId="Equation.3">
+                <p:oleObj spid="_x0000_s55301" name="Equation" r:id="rId5" imgW="2120760" imgH="444240" progId="Equation.3">
                   <p:embed/>
                 </p:oleObj>
               </mc:Choice>
@@ -22470,7 +22509,7 @@
                       <a:noFill/>
                       <a:extLst>
                         <a:ext uri="{909E8E84-426E-40dd-AFC4-6F175D3DCCD1}">
-                          <a14:hiddenFill xmlns="" xmlns:a14="http://schemas.microsoft.com/office/drawing/2010/main">
+                          <a14:hiddenFill xmlns:a14="http://schemas.microsoft.com/office/drawing/2010/main" xmlns="">
                             <a:solidFill>
                               <a:srgbClr val="FFFFFF"/>
                             </a:solidFill>
@@ -22501,7 +22540,7 @@
           <a:graphicData uri="http://schemas.openxmlformats.org/presentationml/2006/ole">
             <mc:AlternateContent xmlns:mc="http://schemas.openxmlformats.org/markup-compatibility/2006">
               <mc:Choice xmlns:v="urn:schemas-microsoft-com:vml" Requires="v">
-                <p:oleObj spid="_x0000_s55299" name="Equation" r:id="rId7" imgW="3974760" imgH="469800" progId="Equation.3">
+                <p:oleObj spid="_x0000_s55302" name="Equation" r:id="rId7" imgW="3974760" imgH="469800" progId="Equation.3">
                   <p:embed/>
                 </p:oleObj>
               </mc:Choice>
@@ -22540,7 +22579,7 @@
                       <a:noFill/>
                       <a:extLst>
                         <a:ext uri="{909E8E84-426E-40dd-AFC4-6F175D3DCCD1}">
-                          <a14:hiddenFill xmlns="" xmlns:a14="http://schemas.microsoft.com/office/drawing/2010/main">
+                          <a14:hiddenFill xmlns:a14="http://schemas.microsoft.com/office/drawing/2010/main" xmlns="">
                             <a:solidFill>
                               <a:srgbClr val="FFFFFF"/>
                             </a:solidFill>
@@ -22650,7 +22689,7 @@
           <a:graphicData uri="http://schemas.openxmlformats.org/presentationml/2006/ole">
             <mc:AlternateContent xmlns:mc="http://schemas.openxmlformats.org/markup-compatibility/2006">
               <mc:Choice xmlns:v="urn:schemas-microsoft-com:vml" Requires="v">
-                <p:oleObj spid="_x0000_s56321" name="Equation" r:id="rId3" imgW="2768400" imgH="444240" progId="Equation.3">
+                <p:oleObj spid="_x0000_s56322" name="Equation" r:id="rId3" imgW="2768400" imgH="444240" progId="Equation.3">
                   <p:embed/>
                 </p:oleObj>
               </mc:Choice>
@@ -22689,7 +22728,7 @@
                       <a:noFill/>
                       <a:extLst>
                         <a:ext uri="{909E8E84-426E-40dd-AFC4-6F175D3DCCD1}">
-                          <a14:hiddenFill xmlns="" xmlns:a14="http://schemas.microsoft.com/office/drawing/2010/main">
+                          <a14:hiddenFill xmlns:a14="http://schemas.microsoft.com/office/drawing/2010/main" xmlns="">
                             <a:solidFill>
                               <a:srgbClr val="FFFFFF"/>
                             </a:solidFill>
@@ -24835,7 +24874,7 @@
           <a:graphicData uri="http://schemas.openxmlformats.org/presentationml/2006/ole">
             <mc:AlternateContent xmlns:mc="http://schemas.openxmlformats.org/markup-compatibility/2006">
               <mc:Choice xmlns:v="urn:schemas-microsoft-com:vml" Requires="v">
-                <p:oleObj spid="_x0000_s46081" name="Equation" r:id="rId3" imgW="1333440" imgH="431640" progId="Equation.3">
+                <p:oleObj spid="_x0000_s46082" name="Equation" r:id="rId3" imgW="1333440" imgH="431640" progId="Equation.3">
                   <p:embed/>
                 </p:oleObj>
               </mc:Choice>
@@ -24874,7 +24913,7 @@
                       <a:noFill/>
                       <a:extLst>
                         <a:ext uri="{909E8E84-426E-40dd-AFC4-6F175D3DCCD1}">
-                          <a14:hiddenFill xmlns="" xmlns:a14="http://schemas.microsoft.com/office/drawing/2010/main">
+                          <a14:hiddenFill xmlns:a14="http://schemas.microsoft.com/office/drawing/2010/main" xmlns="">
                             <a:solidFill>
                               <a:srgbClr val="FFFFFF"/>
                             </a:solidFill>
